--- a/work/콤프레샤.pptx
+++ b/work/콤프레샤.pptx
@@ -5,24 +5,25 @@
     <p:sldMasterId id="2147483648" r:id="rId1"/>
   </p:sldMasterIdLst>
   <p:notesMasterIdLst>
-    <p:notesMasterId r:id="rId17"/>
+    <p:notesMasterId r:id="rId18"/>
   </p:notesMasterIdLst>
   <p:sldIdLst>
     <p:sldId id="256" r:id="rId2"/>
     <p:sldId id="257" r:id="rId3"/>
     <p:sldId id="270" r:id="rId4"/>
-    <p:sldId id="258" r:id="rId5"/>
-    <p:sldId id="259" r:id="rId6"/>
-    <p:sldId id="260" r:id="rId7"/>
-    <p:sldId id="261" r:id="rId8"/>
-    <p:sldId id="262" r:id="rId9"/>
-    <p:sldId id="264" r:id="rId10"/>
-    <p:sldId id="265" r:id="rId11"/>
-    <p:sldId id="266" r:id="rId12"/>
-    <p:sldId id="267" r:id="rId13"/>
-    <p:sldId id="268" r:id="rId14"/>
-    <p:sldId id="269" r:id="rId15"/>
-    <p:sldId id="263" r:id="rId16"/>
+    <p:sldId id="271" r:id="rId5"/>
+    <p:sldId id="258" r:id="rId6"/>
+    <p:sldId id="259" r:id="rId7"/>
+    <p:sldId id="260" r:id="rId8"/>
+    <p:sldId id="261" r:id="rId9"/>
+    <p:sldId id="262" r:id="rId10"/>
+    <p:sldId id="264" r:id="rId11"/>
+    <p:sldId id="265" r:id="rId12"/>
+    <p:sldId id="266" r:id="rId13"/>
+    <p:sldId id="267" r:id="rId14"/>
+    <p:sldId id="268" r:id="rId15"/>
+    <p:sldId id="269" r:id="rId16"/>
+    <p:sldId id="263" r:id="rId17"/>
   </p:sldIdLst>
   <p:sldSz cx="14630400" cy="8229600"/>
   <p:notesSz cx="8229600" cy="14630400"/>
@@ -126,6 +127,7 @@
             <p14:sldId id="256"/>
             <p14:sldId id="257"/>
             <p14:sldId id="270"/>
+            <p14:sldId id="271"/>
             <p14:sldId id="258"/>
             <p14:sldId id="259"/>
             <p14:sldId id="260"/>
@@ -507,7 +509,7 @@
           <a:p>
             <a:fld id="{F7021451-1387-4CA6-816F-3879F97B5CBC}" type="slidenum">
               <a:rPr lang="en-US"/>
-              <a:t>4</a:t>
+              <a:t>5</a:t>
             </a:fld>
             <a:endParaRPr lang="en-US"/>
           </a:p>
@@ -591,7 +593,7 @@
           <a:p>
             <a:fld id="{F7021451-1387-4CA6-816F-3879F97B5CBC}" type="slidenum">
               <a:rPr lang="en-US"/>
-              <a:t>5</a:t>
+              <a:t>6</a:t>
             </a:fld>
             <a:endParaRPr lang="en-US"/>
           </a:p>
@@ -675,7 +677,7 @@
           <a:p>
             <a:fld id="{F7021451-1387-4CA6-816F-3879F97B5CBC}" type="slidenum">
               <a:rPr lang="en-US"/>
-              <a:t>6</a:t>
+              <a:t>7</a:t>
             </a:fld>
             <a:endParaRPr lang="en-US"/>
           </a:p>
@@ -759,7 +761,7 @@
           <a:p>
             <a:fld id="{F7021451-1387-4CA6-816F-3879F97B5CBC}" type="slidenum">
               <a:rPr lang="en-US"/>
-              <a:t>7</a:t>
+              <a:t>8</a:t>
             </a:fld>
             <a:endParaRPr lang="en-US"/>
           </a:p>
@@ -843,7 +845,7 @@
           <a:p>
             <a:fld id="{F7021451-1387-4CA6-816F-3879F97B5CBC}" type="slidenum">
               <a:rPr lang="en-US"/>
-              <a:t>8</a:t>
+              <a:t>9</a:t>
             </a:fld>
             <a:endParaRPr lang="en-US"/>
           </a:p>
@@ -927,7 +929,7 @@
           <a:p>
             <a:fld id="{F7021451-1387-4CA6-816F-3879F97B5CBC}" type="slidenum">
               <a:rPr lang="en-US"/>
-              <a:t>15</a:t>
+              <a:t>16</a:t>
             </a:fld>
             <a:endParaRPr lang="en-US"/>
           </a:p>
@@ -1605,7 +1607,7 @@
       </p:grpSpPr>
       <p:pic>
         <p:nvPicPr>
-          <p:cNvPr id="2" name="Image 0" descr="preencoded.png"/>
+          <p:cNvPr id="3" name="Image 0" descr="preencoded.png"/>
           <p:cNvPicPr>
             <a:picLocks noChangeAspect="1"/>
           </p:cNvPicPr>
@@ -1629,7 +1631,7 @@
       </p:pic>
       <p:sp>
         <p:nvSpPr>
-          <p:cNvPr id="3" name="Shape 0"/>
+          <p:cNvPr id="4" name="Shape 0"/>
           <p:cNvSpPr/>
           <p:nvPr/>
         </p:nvSpPr>
@@ -1649,7 +1651,7 @@
       </p:sp>
       <p:sp>
         <p:nvSpPr>
-          <p:cNvPr id="4" name="Text 1"/>
+          <p:cNvPr id="5" name="Text 1"/>
           <p:cNvSpPr/>
           <p:nvPr/>
         </p:nvSpPr>
@@ -1680,13 +1682,13 @@
       </p:sp>
       <p:sp>
         <p:nvSpPr>
-          <p:cNvPr id="7" name="Text 1"/>
-          <p:cNvSpPr/>
-          <p:nvPr/>
-        </p:nvSpPr>
-        <p:spPr>
-          <a:xfrm>
-            <a:off x="2037992" y="3073241"/>
+          <p:cNvPr id="6" name="Text 1"/>
+          <p:cNvSpPr/>
+          <p:nvPr/>
+        </p:nvSpPr>
+        <p:spPr>
+          <a:xfrm>
+            <a:off x="2037991" y="1429730"/>
             <a:ext cx="4443889" cy="694373"/>
           </a:xfrm>
           <a:prstGeom prst="rect">
@@ -1705,13 +1707,66 @@
               </a:lnSpc>
               <a:buNone/>
             </a:pPr>
+            <a:r>
+              <a:rPr lang="ko-KR" altLang="en-US" sz="4374" dirty="0" smtClean="0">
+                <a:solidFill>
+                  <a:srgbClr val="5C4E3D"/>
+                </a:solidFill>
+                <a:latin typeface="Libre Baskerville" pitchFamily="34" charset="0"/>
+                <a:ea typeface="Libre Baskerville" pitchFamily="34" charset="-122"/>
+                <a:cs typeface="Libre Baskerville" pitchFamily="34" charset="-120"/>
+              </a:rPr>
+              <a:t>모델 선택</a:t>
+            </a:r>
+            <a:endParaRPr lang="en-US" sz="4374" dirty="0"/>
+          </a:p>
+        </p:txBody>
+      </p:sp>
+      <p:sp>
+        <p:nvSpPr>
+          <p:cNvPr id="8" name="Text 1"/>
+          <p:cNvSpPr/>
+          <p:nvPr/>
+        </p:nvSpPr>
+        <p:spPr>
+          <a:xfrm>
+            <a:off x="2037990" y="2598672"/>
+            <a:ext cx="4443889" cy="694373"/>
+          </a:xfrm>
+          <a:prstGeom prst="rect">
+            <a:avLst/>
+          </a:prstGeom>
+          <a:noFill/>
+          <a:ln/>
+        </p:spPr>
+        <p:txBody>
+          <a:bodyPr wrap="none" rtlCol="0" anchor="t"/>
+          <a:lstStyle/>
+          <a:p>
+            <a:pPr marL="0" indent="0">
+              <a:lnSpc>
+                <a:spcPts val="5468"/>
+              </a:lnSpc>
+              <a:buNone/>
+            </a:pPr>
+            <a:r>
+              <a:rPr lang="ko-KR" altLang="en-US" sz="2400" dirty="0" smtClean="0">
+                <a:solidFill>
+                  <a:srgbClr val="5C4E3D"/>
+                </a:solidFill>
+                <a:latin typeface="Libre Baskerville" pitchFamily="34" charset="0"/>
+                <a:ea typeface="Libre Baskerville" pitchFamily="34" charset="-122"/>
+                <a:cs typeface="Libre Baskerville" pitchFamily="34" charset="-120"/>
+              </a:rPr>
+              <a:t>의사결정나무 분류 결과</a:t>
+            </a:r>
             <a:endParaRPr lang="en-US" sz="2400" dirty="0"/>
           </a:p>
         </p:txBody>
       </p:sp>
       <p:pic>
         <p:nvPicPr>
-          <p:cNvPr id="8" name="그림 7"/>
+          <p:cNvPr id="9" name="그림 8"/>
           <p:cNvPicPr>
             <a:picLocks noChangeAspect="1"/>
           </p:cNvPicPr>
@@ -1725,111 +1780,17 @@
         </p:blipFill>
         <p:spPr>
           <a:xfrm>
-            <a:off x="2037990" y="3553833"/>
-            <a:ext cx="5239110" cy="3822330"/>
+            <a:off x="2037993" y="3553833"/>
+            <a:ext cx="5162910" cy="3887775"/>
           </a:xfrm>
           <a:prstGeom prst="rect">
             <a:avLst/>
           </a:prstGeom>
         </p:spPr>
       </p:pic>
-      <p:sp>
-        <p:nvSpPr>
-          <p:cNvPr id="9" name="Text 1"/>
-          <p:cNvSpPr/>
-          <p:nvPr/>
-        </p:nvSpPr>
-        <p:spPr>
-          <a:xfrm>
-            <a:off x="2037991" y="1429730"/>
-            <a:ext cx="4443889" cy="694373"/>
-          </a:xfrm>
-          <a:prstGeom prst="rect">
-            <a:avLst/>
-          </a:prstGeom>
-          <a:noFill/>
-          <a:ln/>
-        </p:spPr>
-        <p:txBody>
-          <a:bodyPr wrap="none" rtlCol="0" anchor="t"/>
-          <a:lstStyle/>
-          <a:p>
-            <a:pPr marL="0" indent="0">
-              <a:lnSpc>
-                <a:spcPts val="5468"/>
-              </a:lnSpc>
-              <a:buNone/>
-            </a:pPr>
-            <a:r>
-              <a:rPr lang="ko-KR" altLang="en-US" sz="4374" dirty="0" smtClean="0">
-                <a:solidFill>
-                  <a:srgbClr val="5C4E3D"/>
-                </a:solidFill>
-                <a:latin typeface="Libre Baskerville" pitchFamily="34" charset="0"/>
-                <a:ea typeface="Libre Baskerville" pitchFamily="34" charset="-122"/>
-                <a:cs typeface="Libre Baskerville" pitchFamily="34" charset="-120"/>
-              </a:rPr>
-              <a:t>모델 선택</a:t>
-            </a:r>
-            <a:endParaRPr lang="en-US" sz="4374" dirty="0"/>
-          </a:p>
-        </p:txBody>
-      </p:sp>
-      <p:sp>
-        <p:nvSpPr>
-          <p:cNvPr id="10" name="Text 1"/>
-          <p:cNvSpPr/>
-          <p:nvPr/>
-        </p:nvSpPr>
-        <p:spPr>
-          <a:xfrm>
-            <a:off x="2037990" y="2598672"/>
-            <a:ext cx="4443889" cy="694373"/>
-          </a:xfrm>
-          <a:prstGeom prst="rect">
-            <a:avLst/>
-          </a:prstGeom>
-          <a:noFill/>
-          <a:ln/>
-        </p:spPr>
-        <p:txBody>
-          <a:bodyPr wrap="none" rtlCol="0" anchor="t"/>
-          <a:lstStyle/>
-          <a:p>
-            <a:pPr>
-              <a:lnSpc>
-                <a:spcPts val="5468"/>
-              </a:lnSpc>
-            </a:pPr>
-            <a:r>
-              <a:rPr lang="ko-KR" altLang="en-US" sz="2400" dirty="0" err="1">
-                <a:solidFill>
-                  <a:srgbClr val="5C4E3D"/>
-                </a:solidFill>
-                <a:latin typeface="Libre Baskerville" pitchFamily="34" charset="0"/>
-                <a:ea typeface="Libre Baskerville" pitchFamily="34" charset="-122"/>
-                <a:cs typeface="Libre Baskerville" pitchFamily="34" charset="-120"/>
-              </a:rPr>
-              <a:t>랜덤포레스트</a:t>
-            </a:r>
-            <a:r>
-              <a:rPr lang="ko-KR" altLang="en-US" sz="2400" dirty="0">
-                <a:solidFill>
-                  <a:srgbClr val="5C4E3D"/>
-                </a:solidFill>
-                <a:latin typeface="Libre Baskerville" pitchFamily="34" charset="0"/>
-                <a:ea typeface="Libre Baskerville" pitchFamily="34" charset="-122"/>
-                <a:cs typeface="Libre Baskerville" pitchFamily="34" charset="-120"/>
-              </a:rPr>
-              <a:t> 분류 결과</a:t>
-            </a:r>
-            <a:endParaRPr lang="en-US" altLang="ko-KR" sz="2400" dirty="0"/>
-          </a:p>
-        </p:txBody>
-      </p:sp>
       <p:pic>
         <p:nvPicPr>
-          <p:cNvPr id="11" name="그림 10"/>
+          <p:cNvPr id="10" name="그림 9"/>
           <p:cNvPicPr>
             <a:picLocks noChangeAspect="1"/>
           </p:cNvPicPr>
@@ -1843,8 +1804,8 @@
         </p:blipFill>
         <p:spPr>
           <a:xfrm>
-            <a:off x="7641081" y="2546314"/>
-            <a:ext cx="5830114" cy="4829849"/>
+            <a:off x="7636319" y="2516496"/>
+            <a:ext cx="5839640" cy="4925112"/>
           </a:xfrm>
           <a:prstGeom prst="rect">
             <a:avLst/>
@@ -1854,7 +1815,7 @@
     </p:spTree>
     <p:extLst>
       <p:ext uri="{BB962C8B-B14F-4D97-AF65-F5344CB8AC3E}">
-        <p14:creationId xmlns:p14="http://schemas.microsoft.com/office/powerpoint/2010/main" val="4162912475"/>
+        <p14:creationId xmlns:p14="http://schemas.microsoft.com/office/powerpoint/2010/main" val="2892625416"/>
       </p:ext>
     </p:extLst>
   </p:cSld>
@@ -2011,7 +1972,7 @@
         <p:spPr>
           <a:xfrm>
             <a:off x="2037990" y="3553833"/>
-            <a:ext cx="5201010" cy="3767614"/>
+            <a:ext cx="5239110" cy="3822330"/>
           </a:xfrm>
           <a:prstGeom prst="rect">
             <a:avLst/>
@@ -2087,7 +2048,7 @@
               </a:lnSpc>
             </a:pPr>
             <a:r>
-              <a:rPr lang="en-US" altLang="ko-KR" sz="2400" dirty="0">
+              <a:rPr lang="ko-KR" altLang="en-US" sz="2400" dirty="0" err="1">
                 <a:solidFill>
                   <a:srgbClr val="5C4E3D"/>
                 </a:solidFill>
@@ -2095,18 +2056,7 @@
                 <a:ea typeface="Libre Baskerville" pitchFamily="34" charset="-122"/>
                 <a:cs typeface="Libre Baskerville" pitchFamily="34" charset="-120"/>
               </a:rPr>
-              <a:t>XG</a:t>
-            </a:r>
-            <a:r>
-              <a:rPr lang="ko-KR" altLang="en-US" sz="2400" dirty="0" err="1">
-                <a:solidFill>
-                  <a:srgbClr val="5C4E3D"/>
-                </a:solidFill>
-                <a:latin typeface="Libre Baskerville" pitchFamily="34" charset="0"/>
-                <a:ea typeface="Libre Baskerville" pitchFamily="34" charset="-122"/>
-                <a:cs typeface="Libre Baskerville" pitchFamily="34" charset="-120"/>
-              </a:rPr>
-              <a:t>부스트</a:t>
+              <a:t>랜덤포레스트</a:t>
             </a:r>
             <a:r>
               <a:rPr lang="ko-KR" altLang="en-US" sz="2400" dirty="0">
@@ -2139,8 +2089,8 @@
         </p:blipFill>
         <p:spPr>
           <a:xfrm>
-            <a:off x="7593450" y="2453474"/>
-            <a:ext cx="5925377" cy="5001323"/>
+            <a:off x="7641081" y="2546314"/>
+            <a:ext cx="5830114" cy="4829849"/>
           </a:xfrm>
           <a:prstGeom prst="rect">
             <a:avLst/>
@@ -2150,7 +2100,7 @@
     </p:spTree>
     <p:extLst>
       <p:ext uri="{BB962C8B-B14F-4D97-AF65-F5344CB8AC3E}">
-        <p14:creationId xmlns:p14="http://schemas.microsoft.com/office/powerpoint/2010/main" val="3806919107"/>
+        <p14:creationId xmlns:p14="http://schemas.microsoft.com/office/powerpoint/2010/main" val="4162912475"/>
       </p:ext>
     </p:extLst>
   </p:cSld>
@@ -2184,9 +2134,53 @@
           <a:chExt cx="0" cy="0"/>
         </a:xfrm>
       </p:grpSpPr>
-      <p:sp>
-        <p:nvSpPr>
-          <p:cNvPr id="3" name="Text 1"/>
+      <p:pic>
+        <p:nvPicPr>
+          <p:cNvPr id="2" name="Image 0" descr="preencoded.png"/>
+          <p:cNvPicPr>
+            <a:picLocks noChangeAspect="1"/>
+          </p:cNvPicPr>
+          <p:nvPr/>
+        </p:nvPicPr>
+        <p:blipFill>
+          <a:blip r:embed="rId2"/>
+          <a:stretch>
+            <a:fillRect/>
+          </a:stretch>
+        </p:blipFill>
+        <p:spPr>
+          <a:xfrm>
+            <a:off x="0" y="0"/>
+            <a:ext cx="14630400" cy="8229600"/>
+          </a:xfrm>
+          <a:prstGeom prst="rect">
+            <a:avLst/>
+          </a:prstGeom>
+        </p:spPr>
+      </p:pic>
+      <p:sp>
+        <p:nvSpPr>
+          <p:cNvPr id="3" name="Shape 0"/>
+          <p:cNvSpPr/>
+          <p:nvPr/>
+        </p:nvSpPr>
+        <p:spPr>
+          <a:xfrm>
+            <a:off x="0" y="0"/>
+            <a:ext cx="14630400" cy="8229600"/>
+          </a:xfrm>
+          <a:prstGeom prst="rect">
+            <a:avLst/>
+          </a:prstGeom>
+          <a:solidFill>
+            <a:srgbClr val="FFFDFA"/>
+          </a:solidFill>
+          <a:ln/>
+        </p:spPr>
+      </p:sp>
+      <p:sp>
+        <p:nvSpPr>
+          <p:cNvPr id="4" name="Text 1"/>
           <p:cNvSpPr/>
           <p:nvPr/>
         </p:nvSpPr>
@@ -2217,13 +2211,13 @@
       </p:sp>
       <p:sp>
         <p:nvSpPr>
-          <p:cNvPr id="4" name="Text 1"/>
-          <p:cNvSpPr/>
-          <p:nvPr/>
-        </p:nvSpPr>
-        <p:spPr>
-          <a:xfrm>
-            <a:off x="2037993" y="1993225"/>
+          <p:cNvPr id="7" name="Text 1"/>
+          <p:cNvSpPr/>
+          <p:nvPr/>
+        </p:nvSpPr>
+        <p:spPr>
+          <a:xfrm>
+            <a:off x="2037992" y="3073241"/>
             <a:ext cx="4443889" cy="694373"/>
           </a:xfrm>
           <a:prstGeom prst="rect">
@@ -2242,30 +2236,43 @@
               </a:lnSpc>
               <a:buNone/>
             </a:pPr>
-            <a:r>
-              <a:rPr lang="ko-KR" altLang="en-US" sz="4374" dirty="0" smtClean="0">
-                <a:solidFill>
-                  <a:srgbClr val="5C4E3D"/>
-                </a:solidFill>
-                <a:latin typeface="Libre Baskerville" pitchFamily="34" charset="0"/>
-                <a:ea typeface="Libre Baskerville" pitchFamily="34" charset="-122"/>
-                <a:cs typeface="Libre Baskerville" pitchFamily="34" charset="-120"/>
-              </a:rPr>
-              <a:t>모델 평가</a:t>
-            </a:r>
-            <a:endParaRPr lang="en-US" sz="4374" dirty="0"/>
-          </a:p>
-        </p:txBody>
-      </p:sp>
-      <p:sp>
-        <p:nvSpPr>
-          <p:cNvPr id="6" name="Text 1"/>
-          <p:cNvSpPr/>
-          <p:nvPr/>
-        </p:nvSpPr>
-        <p:spPr>
-          <a:xfrm>
-            <a:off x="2037992" y="3073241"/>
+            <a:endParaRPr lang="en-US" sz="2400" dirty="0"/>
+          </a:p>
+        </p:txBody>
+      </p:sp>
+      <p:pic>
+        <p:nvPicPr>
+          <p:cNvPr id="8" name="그림 7"/>
+          <p:cNvPicPr>
+            <a:picLocks noChangeAspect="1"/>
+          </p:cNvPicPr>
+          <p:nvPr/>
+        </p:nvPicPr>
+        <p:blipFill>
+          <a:blip r:embed="rId3"/>
+          <a:stretch>
+            <a:fillRect/>
+          </a:stretch>
+        </p:blipFill>
+        <p:spPr>
+          <a:xfrm>
+            <a:off x="2037990" y="3553833"/>
+            <a:ext cx="5201010" cy="3767614"/>
+          </a:xfrm>
+          <a:prstGeom prst="rect">
+            <a:avLst/>
+          </a:prstGeom>
+        </p:spPr>
+      </p:pic>
+      <p:sp>
+        <p:nvSpPr>
+          <p:cNvPr id="9" name="Text 1"/>
+          <p:cNvSpPr/>
+          <p:nvPr/>
+        </p:nvSpPr>
+        <p:spPr>
+          <a:xfrm>
+            <a:off x="2037991" y="1429730"/>
             <a:ext cx="4443889" cy="694373"/>
           </a:xfrm>
           <a:prstGeom prst="rect">
@@ -2285,31 +2292,67 @@
               <a:buNone/>
             </a:pPr>
             <a:r>
-              <a:rPr lang="ko-KR" altLang="en-US" sz="2400" dirty="0" smtClean="0">
+              <a:rPr lang="ko-KR" altLang="en-US" sz="4374" dirty="0" smtClean="0">
                 <a:solidFill>
                   <a:srgbClr val="5C4E3D"/>
                 </a:solidFill>
                 <a:latin typeface="Libre Baskerville" pitchFamily="34" charset="0"/>
-              </a:rPr>
-              <a:t>가장 성능 좋은 모델 </a:t>
-            </a:r>
-            <a:r>
-              <a:rPr lang="en-US" altLang="ko-KR" sz="2400" dirty="0" smtClean="0">
+                <a:ea typeface="Libre Baskerville" pitchFamily="34" charset="-122"/>
+                <a:cs typeface="Libre Baskerville" pitchFamily="34" charset="-120"/>
+              </a:rPr>
+              <a:t>모델 선택</a:t>
+            </a:r>
+            <a:endParaRPr lang="en-US" sz="4374" dirty="0"/>
+          </a:p>
+        </p:txBody>
+      </p:sp>
+      <p:sp>
+        <p:nvSpPr>
+          <p:cNvPr id="10" name="Text 1"/>
+          <p:cNvSpPr/>
+          <p:nvPr/>
+        </p:nvSpPr>
+        <p:spPr>
+          <a:xfrm>
+            <a:off x="2037990" y="2598672"/>
+            <a:ext cx="4443889" cy="694373"/>
+          </a:xfrm>
+          <a:prstGeom prst="rect">
+            <a:avLst/>
+          </a:prstGeom>
+          <a:noFill/>
+          <a:ln/>
+        </p:spPr>
+        <p:txBody>
+          <a:bodyPr wrap="none" rtlCol="0" anchor="t"/>
+          <a:lstStyle/>
+          <a:p>
+            <a:pPr>
+              <a:lnSpc>
+                <a:spcPts val="5468"/>
+              </a:lnSpc>
+            </a:pPr>
+            <a:r>
+              <a:rPr lang="en-US" altLang="ko-KR" sz="2400" dirty="0">
                 <a:solidFill>
                   <a:srgbClr val="5C4E3D"/>
                 </a:solidFill>
                 <a:latin typeface="Libre Baskerville" pitchFamily="34" charset="0"/>
-              </a:rPr>
-              <a:t>: </a:t>
-            </a:r>
-            <a:r>
-              <a:rPr lang="ko-KR" altLang="en-US" sz="2400" dirty="0" err="1" smtClean="0">
+                <a:ea typeface="Libre Baskerville" pitchFamily="34" charset="-122"/>
+                <a:cs typeface="Libre Baskerville" pitchFamily="34" charset="-120"/>
+              </a:rPr>
+              <a:t>XG</a:t>
+            </a:r>
+            <a:r>
+              <a:rPr lang="ko-KR" altLang="en-US" sz="2400" dirty="0" err="1">
                 <a:solidFill>
                   <a:srgbClr val="5C4E3D"/>
                 </a:solidFill>
                 <a:latin typeface="Libre Baskerville" pitchFamily="34" charset="0"/>
-              </a:rPr>
-              <a:t>랜덤포레스트</a:t>
+                <a:ea typeface="Libre Baskerville" pitchFamily="34" charset="-122"/>
+                <a:cs typeface="Libre Baskerville" pitchFamily="34" charset="-120"/>
+              </a:rPr>
+              <a:t>부스트</a:t>
             </a:r>
             <a:r>
               <a:rPr lang="ko-KR" altLang="en-US" sz="2400" dirty="0">
@@ -2317,26 +2360,43 @@
                   <a:srgbClr val="5C4E3D"/>
                 </a:solidFill>
                 <a:latin typeface="Libre Baskerville" pitchFamily="34" charset="0"/>
-              </a:rPr>
-              <a:t> </a:t>
-            </a:r>
-            <a:r>
-              <a:rPr lang="ko-KR" altLang="en-US" sz="2400" dirty="0" smtClean="0">
-                <a:solidFill>
-                  <a:srgbClr val="5C4E3D"/>
-                </a:solidFill>
-                <a:latin typeface="Libre Baskerville" pitchFamily="34" charset="0"/>
-              </a:rPr>
-              <a:t>모델</a:t>
-            </a:r>
-            <a:endParaRPr lang="en-US" sz="2400" dirty="0"/>
-          </a:p>
-        </p:txBody>
-      </p:sp>
+                <a:ea typeface="Libre Baskerville" pitchFamily="34" charset="-122"/>
+                <a:cs typeface="Libre Baskerville" pitchFamily="34" charset="-120"/>
+              </a:rPr>
+              <a:t> 분류 결과</a:t>
+            </a:r>
+            <a:endParaRPr lang="en-US" altLang="ko-KR" sz="2400" dirty="0"/>
+          </a:p>
+        </p:txBody>
+      </p:sp>
+      <p:pic>
+        <p:nvPicPr>
+          <p:cNvPr id="11" name="그림 10"/>
+          <p:cNvPicPr>
+            <a:picLocks noChangeAspect="1"/>
+          </p:cNvPicPr>
+          <p:nvPr/>
+        </p:nvPicPr>
+        <p:blipFill>
+          <a:blip r:embed="rId4"/>
+          <a:stretch>
+            <a:fillRect/>
+          </a:stretch>
+        </p:blipFill>
+        <p:spPr>
+          <a:xfrm>
+            <a:off x="7593450" y="2453474"/>
+            <a:ext cx="5925377" cy="5001323"/>
+          </a:xfrm>
+          <a:prstGeom prst="rect">
+            <a:avLst/>
+          </a:prstGeom>
+        </p:spPr>
+      </p:pic>
     </p:spTree>
     <p:extLst>
       <p:ext uri="{BB962C8B-B14F-4D97-AF65-F5344CB8AC3E}">
-        <p14:creationId xmlns:p14="http://schemas.microsoft.com/office/powerpoint/2010/main" val="779709287"/>
+        <p14:creationId xmlns:p14="http://schemas.microsoft.com/office/powerpoint/2010/main" val="3806919107"/>
       </p:ext>
     </p:extLst>
   </p:cSld>
@@ -2372,7 +2432,7 @@
       </p:grpSpPr>
       <p:sp>
         <p:nvSpPr>
-          <p:cNvPr id="2" name="Text 1"/>
+          <p:cNvPr id="3" name="Text 1"/>
           <p:cNvSpPr/>
           <p:nvPr/>
         </p:nvSpPr>
@@ -2403,7 +2463,7 @@
       </p:sp>
       <p:sp>
         <p:nvSpPr>
-          <p:cNvPr id="3" name="Text 1"/>
+          <p:cNvPr id="4" name="Text 1"/>
           <p:cNvSpPr/>
           <p:nvPr/>
         </p:nvSpPr>
@@ -2437,7 +2497,7 @@
                 <a:ea typeface="Libre Baskerville" pitchFamily="34" charset="-122"/>
                 <a:cs typeface="Libre Baskerville" pitchFamily="34" charset="-120"/>
               </a:rPr>
-              <a:t>변수 중요도</a:t>
+              <a:t>모델 평가</a:t>
             </a:r>
             <a:endParaRPr lang="en-US" sz="4374" dirty="0"/>
           </a:p>
@@ -2445,7 +2505,7 @@
       </p:sp>
       <p:sp>
         <p:nvSpPr>
-          <p:cNvPr id="5" name="Text 1"/>
+          <p:cNvPr id="6" name="Text 1"/>
           <p:cNvSpPr/>
           <p:nvPr/>
         </p:nvSpPr>
@@ -2477,22 +2537,35 @@
                 </a:solidFill>
                 <a:latin typeface="Libre Baskerville" pitchFamily="34" charset="0"/>
               </a:rPr>
-              <a:t>영향을 많이 끼치는 </a:t>
-            </a:r>
-            <a:endParaRPr lang="en-US" altLang="ko-KR" sz="2400" dirty="0" smtClean="0">
-              <a:solidFill>
-                <a:srgbClr val="5C4E3D"/>
-              </a:solidFill>
-              <a:latin typeface="Libre Baskerville" pitchFamily="34" charset="0"/>
-            </a:endParaRPr>
-          </a:p>
-          <a:p>
-            <a:pPr marL="0" indent="0">
-              <a:lnSpc>
-                <a:spcPts val="5468"/>
-              </a:lnSpc>
-              <a:buNone/>
-            </a:pPr>
+              <a:t>가장 성능 좋은 모델 </a:t>
+            </a:r>
+            <a:r>
+              <a:rPr lang="en-US" altLang="ko-KR" sz="2400" dirty="0" smtClean="0">
+                <a:solidFill>
+                  <a:srgbClr val="5C4E3D"/>
+                </a:solidFill>
+                <a:latin typeface="Libre Baskerville" pitchFamily="34" charset="0"/>
+              </a:rPr>
+              <a:t>: </a:t>
+            </a:r>
+            <a:r>
+              <a:rPr lang="ko-KR" altLang="en-US" sz="2400" dirty="0" err="1" smtClean="0">
+                <a:solidFill>
+                  <a:srgbClr val="5C4E3D"/>
+                </a:solidFill>
+                <a:latin typeface="Libre Baskerville" pitchFamily="34" charset="0"/>
+              </a:rPr>
+              <a:t>랜덤포레스트</a:t>
+            </a:r>
+            <a:r>
+              <a:rPr lang="ko-KR" altLang="en-US" sz="2400" dirty="0">
+                <a:solidFill>
+                  <a:srgbClr val="5C4E3D"/>
+                </a:solidFill>
+                <a:latin typeface="Libre Baskerville" pitchFamily="34" charset="0"/>
+              </a:rPr>
+              <a:t> </a:t>
+            </a:r>
             <a:r>
               <a:rPr lang="ko-KR" altLang="en-US" sz="2400" dirty="0" smtClean="0">
                 <a:solidFill>
@@ -2500,90 +2573,16 @@
                 </a:solidFill>
                 <a:latin typeface="Libre Baskerville" pitchFamily="34" charset="0"/>
               </a:rPr>
-              <a:t>상위 </a:t>
-            </a:r>
-            <a:r>
-              <a:rPr lang="en-US" altLang="ko-KR" sz="2400" dirty="0" smtClean="0">
-                <a:solidFill>
-                  <a:srgbClr val="5C4E3D"/>
-                </a:solidFill>
-                <a:latin typeface="Libre Baskerville" pitchFamily="34" charset="0"/>
-              </a:rPr>
-              <a:t>9</a:t>
-            </a:r>
-            <a:r>
-              <a:rPr lang="ko-KR" altLang="en-US" sz="2400" dirty="0" smtClean="0">
-                <a:solidFill>
-                  <a:srgbClr val="5C4E3D"/>
-                </a:solidFill>
-                <a:latin typeface="Libre Baskerville" pitchFamily="34" charset="0"/>
-              </a:rPr>
-              <a:t>개를 추출해 </a:t>
-            </a:r>
-            <a:endParaRPr lang="en-US" altLang="ko-KR" sz="2400" dirty="0" smtClean="0">
-              <a:solidFill>
-                <a:srgbClr val="5C4E3D"/>
-              </a:solidFill>
-              <a:latin typeface="Libre Baskerville" pitchFamily="34" charset="0"/>
-            </a:endParaRPr>
-          </a:p>
-          <a:p>
-            <a:pPr marL="0" indent="0">
-              <a:lnSpc>
-                <a:spcPts val="5468"/>
-              </a:lnSpc>
-              <a:buNone/>
-            </a:pPr>
-            <a:r>
-              <a:rPr lang="ko-KR" altLang="en-US" sz="2400" dirty="0" err="1" smtClean="0">
-                <a:solidFill>
-                  <a:srgbClr val="5C4E3D"/>
-                </a:solidFill>
-                <a:latin typeface="Libre Baskerville" pitchFamily="34" charset="0"/>
-              </a:rPr>
-              <a:t>랜덤포레스트에</a:t>
-            </a:r>
-            <a:r>
-              <a:rPr lang="ko-KR" altLang="en-US" sz="2400" dirty="0" smtClean="0">
-                <a:solidFill>
-                  <a:srgbClr val="5C4E3D"/>
-                </a:solidFill>
-                <a:latin typeface="Libre Baskerville" pitchFamily="34" charset="0"/>
-              </a:rPr>
-              <a:t> 적용</a:t>
+              <a:t>모델</a:t>
             </a:r>
             <a:endParaRPr lang="en-US" sz="2400" dirty="0"/>
           </a:p>
         </p:txBody>
       </p:sp>
-      <p:pic>
-        <p:nvPicPr>
-          <p:cNvPr id="7" name="그림 6"/>
-          <p:cNvPicPr>
-            <a:picLocks noChangeAspect="1"/>
-          </p:cNvPicPr>
-          <p:nvPr/>
-        </p:nvPicPr>
-        <p:blipFill>
-          <a:blip r:embed="rId2"/>
-          <a:stretch>
-            <a:fillRect/>
-          </a:stretch>
-        </p:blipFill>
-        <p:spPr>
-          <a:xfrm>
-            <a:off x="6481882" y="1993225"/>
-            <a:ext cx="4167068" cy="5504847"/>
-          </a:xfrm>
-          <a:prstGeom prst="rect">
-            <a:avLst/>
-          </a:prstGeom>
-        </p:spPr>
-      </p:pic>
     </p:spTree>
     <p:extLst>
       <p:ext uri="{BB962C8B-B14F-4D97-AF65-F5344CB8AC3E}">
-        <p14:creationId xmlns:p14="http://schemas.microsoft.com/office/powerpoint/2010/main" val="3788550719"/>
+        <p14:creationId xmlns:p14="http://schemas.microsoft.com/office/powerpoint/2010/main" val="779709287"/>
       </p:ext>
     </p:extLst>
   </p:cSld>
@@ -2625,6 +2624,253 @@
         </p:nvSpPr>
         <p:spPr>
           <a:xfrm>
+            <a:off x="2037993" y="3767614"/>
+            <a:ext cx="4443889" cy="694373"/>
+          </a:xfrm>
+          <a:prstGeom prst="rect">
+            <a:avLst/>
+          </a:prstGeom>
+          <a:noFill/>
+          <a:ln/>
+        </p:spPr>
+        <p:txBody>
+          <a:bodyPr wrap="none" rtlCol="0" anchor="t"/>
+          <a:lstStyle/>
+          <a:p>
+            <a:pPr marL="0" indent="0">
+              <a:lnSpc>
+                <a:spcPts val="5468"/>
+              </a:lnSpc>
+              <a:buNone/>
+            </a:pPr>
+            <a:endParaRPr lang="en-US" sz="4374" dirty="0"/>
+          </a:p>
+        </p:txBody>
+      </p:sp>
+      <p:sp>
+        <p:nvSpPr>
+          <p:cNvPr id="3" name="Text 1"/>
+          <p:cNvSpPr/>
+          <p:nvPr/>
+        </p:nvSpPr>
+        <p:spPr>
+          <a:xfrm>
+            <a:off x="2037993" y="1993225"/>
+            <a:ext cx="4443889" cy="694373"/>
+          </a:xfrm>
+          <a:prstGeom prst="rect">
+            <a:avLst/>
+          </a:prstGeom>
+          <a:noFill/>
+          <a:ln/>
+        </p:spPr>
+        <p:txBody>
+          <a:bodyPr wrap="none" rtlCol="0" anchor="t"/>
+          <a:lstStyle/>
+          <a:p>
+            <a:pPr marL="0" indent="0">
+              <a:lnSpc>
+                <a:spcPts val="5468"/>
+              </a:lnSpc>
+              <a:buNone/>
+            </a:pPr>
+            <a:r>
+              <a:rPr lang="ko-KR" altLang="en-US" sz="4374" dirty="0" smtClean="0">
+                <a:solidFill>
+                  <a:srgbClr val="5C4E3D"/>
+                </a:solidFill>
+                <a:latin typeface="Libre Baskerville" pitchFamily="34" charset="0"/>
+                <a:ea typeface="Libre Baskerville" pitchFamily="34" charset="-122"/>
+                <a:cs typeface="Libre Baskerville" pitchFamily="34" charset="-120"/>
+              </a:rPr>
+              <a:t>변수 중요도</a:t>
+            </a:r>
+            <a:endParaRPr lang="en-US" sz="4374" dirty="0"/>
+          </a:p>
+        </p:txBody>
+      </p:sp>
+      <p:sp>
+        <p:nvSpPr>
+          <p:cNvPr id="5" name="Text 1"/>
+          <p:cNvSpPr/>
+          <p:nvPr/>
+        </p:nvSpPr>
+        <p:spPr>
+          <a:xfrm>
+            <a:off x="2037992" y="3073241"/>
+            <a:ext cx="4443889" cy="694373"/>
+          </a:xfrm>
+          <a:prstGeom prst="rect">
+            <a:avLst/>
+          </a:prstGeom>
+          <a:noFill/>
+          <a:ln/>
+        </p:spPr>
+        <p:txBody>
+          <a:bodyPr wrap="none" rtlCol="0" anchor="t"/>
+          <a:lstStyle/>
+          <a:p>
+            <a:pPr marL="0" indent="0">
+              <a:lnSpc>
+                <a:spcPts val="5468"/>
+              </a:lnSpc>
+              <a:buNone/>
+            </a:pPr>
+            <a:r>
+              <a:rPr lang="ko-KR" altLang="en-US" sz="2400" dirty="0" smtClean="0">
+                <a:solidFill>
+                  <a:srgbClr val="5C4E3D"/>
+                </a:solidFill>
+                <a:latin typeface="Libre Baskerville" pitchFamily="34" charset="0"/>
+              </a:rPr>
+              <a:t>영향을 많이 끼치는 </a:t>
+            </a:r>
+            <a:endParaRPr lang="en-US" altLang="ko-KR" sz="2400" dirty="0" smtClean="0">
+              <a:solidFill>
+                <a:srgbClr val="5C4E3D"/>
+              </a:solidFill>
+              <a:latin typeface="Libre Baskerville" pitchFamily="34" charset="0"/>
+            </a:endParaRPr>
+          </a:p>
+          <a:p>
+            <a:pPr marL="0" indent="0">
+              <a:lnSpc>
+                <a:spcPts val="5468"/>
+              </a:lnSpc>
+              <a:buNone/>
+            </a:pPr>
+            <a:r>
+              <a:rPr lang="ko-KR" altLang="en-US" sz="2400" dirty="0" smtClean="0">
+                <a:solidFill>
+                  <a:srgbClr val="5C4E3D"/>
+                </a:solidFill>
+                <a:latin typeface="Libre Baskerville" pitchFamily="34" charset="0"/>
+              </a:rPr>
+              <a:t>상위 </a:t>
+            </a:r>
+            <a:r>
+              <a:rPr lang="en-US" altLang="ko-KR" sz="2400" dirty="0" smtClean="0">
+                <a:solidFill>
+                  <a:srgbClr val="5C4E3D"/>
+                </a:solidFill>
+                <a:latin typeface="Libre Baskerville" pitchFamily="34" charset="0"/>
+              </a:rPr>
+              <a:t>9</a:t>
+            </a:r>
+            <a:r>
+              <a:rPr lang="ko-KR" altLang="en-US" sz="2400" dirty="0" smtClean="0">
+                <a:solidFill>
+                  <a:srgbClr val="5C4E3D"/>
+                </a:solidFill>
+                <a:latin typeface="Libre Baskerville" pitchFamily="34" charset="0"/>
+              </a:rPr>
+              <a:t>개를 추출해 </a:t>
+            </a:r>
+            <a:endParaRPr lang="en-US" altLang="ko-KR" sz="2400" dirty="0" smtClean="0">
+              <a:solidFill>
+                <a:srgbClr val="5C4E3D"/>
+              </a:solidFill>
+              <a:latin typeface="Libre Baskerville" pitchFamily="34" charset="0"/>
+            </a:endParaRPr>
+          </a:p>
+          <a:p>
+            <a:pPr marL="0" indent="0">
+              <a:lnSpc>
+                <a:spcPts val="5468"/>
+              </a:lnSpc>
+              <a:buNone/>
+            </a:pPr>
+            <a:r>
+              <a:rPr lang="ko-KR" altLang="en-US" sz="2400" dirty="0" err="1" smtClean="0">
+                <a:solidFill>
+                  <a:srgbClr val="5C4E3D"/>
+                </a:solidFill>
+                <a:latin typeface="Libre Baskerville" pitchFamily="34" charset="0"/>
+              </a:rPr>
+              <a:t>랜덤포레스트에</a:t>
+            </a:r>
+            <a:r>
+              <a:rPr lang="ko-KR" altLang="en-US" sz="2400" dirty="0" smtClean="0">
+                <a:solidFill>
+                  <a:srgbClr val="5C4E3D"/>
+                </a:solidFill>
+                <a:latin typeface="Libre Baskerville" pitchFamily="34" charset="0"/>
+              </a:rPr>
+              <a:t> 적용</a:t>
+            </a:r>
+            <a:endParaRPr lang="en-US" sz="2400" dirty="0"/>
+          </a:p>
+        </p:txBody>
+      </p:sp>
+      <p:pic>
+        <p:nvPicPr>
+          <p:cNvPr id="7" name="그림 6"/>
+          <p:cNvPicPr>
+            <a:picLocks noChangeAspect="1"/>
+          </p:cNvPicPr>
+          <p:nvPr/>
+        </p:nvPicPr>
+        <p:blipFill>
+          <a:blip r:embed="rId2"/>
+          <a:stretch>
+            <a:fillRect/>
+          </a:stretch>
+        </p:blipFill>
+        <p:spPr>
+          <a:xfrm>
+            <a:off x="6481882" y="1993225"/>
+            <a:ext cx="4167068" cy="5504847"/>
+          </a:xfrm>
+          <a:prstGeom prst="rect">
+            <a:avLst/>
+          </a:prstGeom>
+        </p:spPr>
+      </p:pic>
+    </p:spTree>
+    <p:extLst>
+      <p:ext uri="{BB962C8B-B14F-4D97-AF65-F5344CB8AC3E}">
+        <p14:creationId xmlns:p14="http://schemas.microsoft.com/office/powerpoint/2010/main" val="3788550719"/>
+      </p:ext>
+    </p:extLst>
+  </p:cSld>
+  <p:clrMapOvr>
+    <a:masterClrMapping/>
+  </p:clrMapOvr>
+  <p:timing>
+    <p:tnLst>
+      <p:par>
+        <p:cTn id="1" dur="indefinite" restart="never" nodeType="tmRoot"/>
+      </p:par>
+    </p:tnLst>
+  </p:timing>
+</p:sld>
+</file>
+
+<file path=ppt/slides/slide15.xml><?xml version="1.0" encoding="utf-8"?>
+<p:sld xmlns:a="http://schemas.openxmlformats.org/drawingml/2006/main" xmlns:r="http://schemas.openxmlformats.org/officeDocument/2006/relationships" xmlns:p="http://schemas.openxmlformats.org/presentationml/2006/main">
+  <p:cSld>
+    <p:spTree>
+      <p:nvGrpSpPr>
+        <p:cNvPr id="1" name=""/>
+        <p:cNvGrpSpPr/>
+        <p:nvPr/>
+      </p:nvGrpSpPr>
+      <p:grpSpPr>
+        <a:xfrm>
+          <a:off x="0" y="0"/>
+          <a:ext cx="0" cy="0"/>
+          <a:chOff x="0" y="0"/>
+          <a:chExt cx="0" cy="0"/>
+        </a:xfrm>
+      </p:grpSpPr>
+      <p:sp>
+        <p:nvSpPr>
+          <p:cNvPr id="2" name="Text 1"/>
+          <p:cNvSpPr/>
+          <p:nvPr/>
+        </p:nvSpPr>
+        <p:spPr>
+          <a:xfrm>
             <a:off x="2037993" y="1578768"/>
             <a:ext cx="4443889" cy="694373"/>
           </a:xfrm>
@@ -2727,7 +2973,7 @@
 </p:sld>
 </file>
 
-<file path=ppt/slides/slide15.xml><?xml version="1.0" encoding="utf-8"?>
+<file path=ppt/slides/slide16.xml><?xml version="1.0" encoding="utf-8"?>
 <p:sld xmlns:a="http://schemas.openxmlformats.org/drawingml/2006/main" xmlns:r="http://schemas.openxmlformats.org/officeDocument/2006/relationships" xmlns:p="http://schemas.openxmlformats.org/presentationml/2006/main">
   <p:cSld name="Slide 8">
     <p:spTree>
@@ -3897,6 +4143,127 @@
 </file>
 
 <file path=ppt/slides/slide4.xml><?xml version="1.0" encoding="utf-8"?>
+<p:sld xmlns:a="http://schemas.openxmlformats.org/drawingml/2006/main" xmlns:r="http://schemas.openxmlformats.org/officeDocument/2006/relationships" xmlns:p="http://schemas.openxmlformats.org/presentationml/2006/main">
+  <p:cSld>
+    <p:spTree>
+      <p:nvGrpSpPr>
+        <p:cNvPr id="1" name=""/>
+        <p:cNvGrpSpPr/>
+        <p:nvPr/>
+      </p:nvGrpSpPr>
+      <p:grpSpPr>
+        <a:xfrm>
+          <a:off x="0" y="0"/>
+          <a:ext cx="0" cy="0"/>
+          <a:chOff x="0" y="0"/>
+          <a:chExt cx="0" cy="0"/>
+        </a:xfrm>
+      </p:grpSpPr>
+      <p:sp>
+        <p:nvSpPr>
+          <p:cNvPr id="2" name="Text 5"/>
+          <p:cNvSpPr/>
+          <p:nvPr/>
+        </p:nvSpPr>
+        <p:spPr>
+          <a:xfrm>
+            <a:off x="1684394" y="1802699"/>
+            <a:ext cx="2666286" cy="416481"/>
+          </a:xfrm>
+          <a:prstGeom prst="rect">
+            <a:avLst/>
+          </a:prstGeom>
+          <a:noFill/>
+          <a:ln/>
+        </p:spPr>
+        <p:txBody>
+          <a:bodyPr wrap="none" rtlCol="0" anchor="t"/>
+          <a:lstStyle/>
+          <a:p>
+            <a:pPr marL="0" indent="0">
+              <a:lnSpc>
+                <a:spcPts val="3281"/>
+              </a:lnSpc>
+              <a:buNone/>
+            </a:pPr>
+            <a:r>
+              <a:rPr lang="en-US" sz="2624" b="1" dirty="0">
+                <a:solidFill>
+                  <a:srgbClr val="5C4E3D"/>
+                </a:solidFill>
+                <a:latin typeface="Libre Baskerville" pitchFamily="34" charset="0"/>
+                <a:ea typeface="Libre Baskerville" pitchFamily="34" charset="-122"/>
+                <a:cs typeface="Libre Baskerville" pitchFamily="34" charset="-120"/>
+              </a:rPr>
+              <a:t>분석 목적</a:t>
+            </a:r>
+            <a:endParaRPr lang="en-US" sz="2624" dirty="0"/>
+          </a:p>
+        </p:txBody>
+      </p:sp>
+      <p:sp>
+        <p:nvSpPr>
+          <p:cNvPr id="3" name="Text 6"/>
+          <p:cNvSpPr/>
+          <p:nvPr/>
+        </p:nvSpPr>
+        <p:spPr>
+          <a:xfrm>
+            <a:off x="1684394" y="2360143"/>
+            <a:ext cx="10554414" cy="710803"/>
+          </a:xfrm>
+          <a:prstGeom prst="rect">
+            <a:avLst/>
+          </a:prstGeom>
+          <a:noFill/>
+          <a:ln/>
+        </p:spPr>
+        <p:txBody>
+          <a:bodyPr wrap="square" rtlCol="0" anchor="t"/>
+          <a:lstStyle/>
+          <a:p>
+            <a:pPr marL="0" indent="0">
+              <a:lnSpc>
+                <a:spcPts val="2799"/>
+              </a:lnSpc>
+              <a:buNone/>
+            </a:pPr>
+            <a:r>
+              <a:rPr lang="en-US" sz="1750" dirty="0">
+                <a:solidFill>
+                  <a:srgbClr val="454240"/>
+                </a:solidFill>
+                <a:latin typeface="DM Sans" pitchFamily="34" charset="0"/>
+                <a:ea typeface="DM Sans" pitchFamily="34" charset="-122"/>
+                <a:cs typeface="DM Sans" pitchFamily="34" charset="-120"/>
+              </a:rPr>
+              <a:t>콤프레샤 모터진단 데이터를 바탕으로 설치된 센서 데이터를 확인하여 모터진단의 구분점을 찾는 것을 목표로 합니다.</a:t>
+            </a:r>
+            <a:endParaRPr lang="en-US" sz="1750" dirty="0"/>
+          </a:p>
+        </p:txBody>
+      </p:sp>
+    </p:spTree>
+    <p:extLst>
+      <p:ext uri="{BB962C8B-B14F-4D97-AF65-F5344CB8AC3E}">
+        <p14:creationId xmlns:p14="http://schemas.microsoft.com/office/powerpoint/2010/main" val="1195146687"/>
+      </p:ext>
+    </p:extLst>
+  </p:cSld>
+  <p:clrMapOvr>
+    <a:masterClrMapping/>
+  </p:clrMapOvr>
+  <p:timing>
+    <p:tnLst>
+      <p:par>
+        <p:cTn id="1" dur="indefinite" restart="never" nodeType="tmRoot"/>
+      </p:par>
+    </p:tnLst>
+  </p:timing>
+</p:sld>
+</file>
+
+<file path=ppt/slides/slide5.xml><?xml version="1.0" encoding="utf-8"?>
 <p:sld xmlns:a="http://schemas.openxmlformats.org/drawingml/2006/main" xmlns:r="http://schemas.openxmlformats.org/officeDocument/2006/relationships" xmlns:p="http://schemas.openxmlformats.org/presentationml/2006/main">
   <p:cSld name="Slide 3">
     <p:spTree>
@@ -4876,7 +5243,7 @@
 </p:sld>
 </file>
 
-<file path=ppt/slides/slide5.xml><?xml version="1.0" encoding="utf-8"?>
+<file path=ppt/slides/slide6.xml><?xml version="1.0" encoding="utf-8"?>
 <p:sld xmlns:a="http://schemas.openxmlformats.org/drawingml/2006/main" xmlns:r="http://schemas.openxmlformats.org/officeDocument/2006/relationships" xmlns:p="http://schemas.openxmlformats.org/presentationml/2006/main">
   <p:cSld name="Slide 4">
     <p:spTree>
@@ -5606,7 +5973,7 @@
 </p:sld>
 </file>
 
-<file path=ppt/slides/slide6.xml><?xml version="1.0" encoding="utf-8"?>
+<file path=ppt/slides/slide7.xml><?xml version="1.0" encoding="utf-8"?>
 <p:sld xmlns:a="http://schemas.openxmlformats.org/drawingml/2006/main" xmlns:r="http://schemas.openxmlformats.org/officeDocument/2006/relationships" xmlns:p="http://schemas.openxmlformats.org/presentationml/2006/main">
   <p:cSld name="Slide 5">
     <p:spTree>
@@ -6132,7 +6499,7 @@
 </p:sld>
 </file>
 
-<file path=ppt/slides/slide7.xml><?xml version="1.0" encoding="utf-8"?>
+<file path=ppt/slides/slide8.xml><?xml version="1.0" encoding="utf-8"?>
 <p:sld xmlns:a="http://schemas.openxmlformats.org/drawingml/2006/main" xmlns:r="http://schemas.openxmlformats.org/officeDocument/2006/relationships" xmlns:p="http://schemas.openxmlformats.org/presentationml/2006/main">
   <p:cSld name="Slide 6">
     <p:spTree>
@@ -6804,7 +7171,7 @@
 </p:sld>
 </file>
 
-<file path=ppt/slides/slide8.xml><?xml version="1.0" encoding="utf-8"?>
+<file path=ppt/slides/slide9.xml><?xml version="1.0" encoding="utf-8"?>
 <p:sld xmlns:a="http://schemas.openxmlformats.org/drawingml/2006/main" xmlns:r="http://schemas.openxmlformats.org/officeDocument/2006/relationships" xmlns:p="http://schemas.openxmlformats.org/presentationml/2006/main">
   <p:cSld name="Slide 7">
     <p:spTree>
@@ -7040,250 +7407,6 @@
         </p:spPr>
       </p:pic>
     </p:spTree>
-  </p:cSld>
-  <p:clrMapOvr>
-    <a:masterClrMapping/>
-  </p:clrMapOvr>
-  <p:timing>
-    <p:tnLst>
-      <p:par>
-        <p:cTn id="1" dur="indefinite" restart="never" nodeType="tmRoot"/>
-      </p:par>
-    </p:tnLst>
-  </p:timing>
-</p:sld>
-</file>
-
-<file path=ppt/slides/slide9.xml><?xml version="1.0" encoding="utf-8"?>
-<p:sld xmlns:a="http://schemas.openxmlformats.org/drawingml/2006/main" xmlns:r="http://schemas.openxmlformats.org/officeDocument/2006/relationships" xmlns:p="http://schemas.openxmlformats.org/presentationml/2006/main">
-  <p:cSld>
-    <p:spTree>
-      <p:nvGrpSpPr>
-        <p:cNvPr id="1" name=""/>
-        <p:cNvGrpSpPr/>
-        <p:nvPr/>
-      </p:nvGrpSpPr>
-      <p:grpSpPr>
-        <a:xfrm>
-          <a:off x="0" y="0"/>
-          <a:ext cx="0" cy="0"/>
-          <a:chOff x="0" y="0"/>
-          <a:chExt cx="0" cy="0"/>
-        </a:xfrm>
-      </p:grpSpPr>
-      <p:pic>
-        <p:nvPicPr>
-          <p:cNvPr id="3" name="Image 0" descr="preencoded.png"/>
-          <p:cNvPicPr>
-            <a:picLocks noChangeAspect="1"/>
-          </p:cNvPicPr>
-          <p:nvPr/>
-        </p:nvPicPr>
-        <p:blipFill>
-          <a:blip r:embed="rId2"/>
-          <a:stretch>
-            <a:fillRect/>
-          </a:stretch>
-        </p:blipFill>
-        <p:spPr>
-          <a:xfrm>
-            <a:off x="0" y="0"/>
-            <a:ext cx="14630400" cy="8229600"/>
-          </a:xfrm>
-          <a:prstGeom prst="rect">
-            <a:avLst/>
-          </a:prstGeom>
-        </p:spPr>
-      </p:pic>
-      <p:sp>
-        <p:nvSpPr>
-          <p:cNvPr id="4" name="Shape 0"/>
-          <p:cNvSpPr/>
-          <p:nvPr/>
-        </p:nvSpPr>
-        <p:spPr>
-          <a:xfrm>
-            <a:off x="0" y="0"/>
-            <a:ext cx="14630400" cy="8229600"/>
-          </a:xfrm>
-          <a:prstGeom prst="rect">
-            <a:avLst/>
-          </a:prstGeom>
-          <a:solidFill>
-            <a:srgbClr val="FFFDFA"/>
-          </a:solidFill>
-          <a:ln/>
-        </p:spPr>
-      </p:sp>
-      <p:sp>
-        <p:nvSpPr>
-          <p:cNvPr id="5" name="Text 1"/>
-          <p:cNvSpPr/>
-          <p:nvPr/>
-        </p:nvSpPr>
-        <p:spPr>
-          <a:xfrm>
-            <a:off x="2037993" y="3767614"/>
-            <a:ext cx="4443889" cy="694373"/>
-          </a:xfrm>
-          <a:prstGeom prst="rect">
-            <a:avLst/>
-          </a:prstGeom>
-          <a:noFill/>
-          <a:ln/>
-        </p:spPr>
-        <p:txBody>
-          <a:bodyPr wrap="none" rtlCol="0" anchor="t"/>
-          <a:lstStyle/>
-          <a:p>
-            <a:pPr marL="0" indent="0">
-              <a:lnSpc>
-                <a:spcPts val="5468"/>
-              </a:lnSpc>
-              <a:buNone/>
-            </a:pPr>
-            <a:endParaRPr lang="en-US" sz="4374" dirty="0"/>
-          </a:p>
-        </p:txBody>
-      </p:sp>
-      <p:sp>
-        <p:nvSpPr>
-          <p:cNvPr id="6" name="Text 1"/>
-          <p:cNvSpPr/>
-          <p:nvPr/>
-        </p:nvSpPr>
-        <p:spPr>
-          <a:xfrm>
-            <a:off x="2037991" y="1429730"/>
-            <a:ext cx="4443889" cy="694373"/>
-          </a:xfrm>
-          <a:prstGeom prst="rect">
-            <a:avLst/>
-          </a:prstGeom>
-          <a:noFill/>
-          <a:ln/>
-        </p:spPr>
-        <p:txBody>
-          <a:bodyPr wrap="none" rtlCol="0" anchor="t"/>
-          <a:lstStyle/>
-          <a:p>
-            <a:pPr marL="0" indent="0">
-              <a:lnSpc>
-                <a:spcPts val="5468"/>
-              </a:lnSpc>
-              <a:buNone/>
-            </a:pPr>
-            <a:r>
-              <a:rPr lang="ko-KR" altLang="en-US" sz="4374" dirty="0" smtClean="0">
-                <a:solidFill>
-                  <a:srgbClr val="5C4E3D"/>
-                </a:solidFill>
-                <a:latin typeface="Libre Baskerville" pitchFamily="34" charset="0"/>
-                <a:ea typeface="Libre Baskerville" pitchFamily="34" charset="-122"/>
-                <a:cs typeface="Libre Baskerville" pitchFamily="34" charset="-120"/>
-              </a:rPr>
-              <a:t>모델 선택</a:t>
-            </a:r>
-            <a:endParaRPr lang="en-US" sz="4374" dirty="0"/>
-          </a:p>
-        </p:txBody>
-      </p:sp>
-      <p:sp>
-        <p:nvSpPr>
-          <p:cNvPr id="8" name="Text 1"/>
-          <p:cNvSpPr/>
-          <p:nvPr/>
-        </p:nvSpPr>
-        <p:spPr>
-          <a:xfrm>
-            <a:off x="2037990" y="2598672"/>
-            <a:ext cx="4443889" cy="694373"/>
-          </a:xfrm>
-          <a:prstGeom prst="rect">
-            <a:avLst/>
-          </a:prstGeom>
-          <a:noFill/>
-          <a:ln/>
-        </p:spPr>
-        <p:txBody>
-          <a:bodyPr wrap="none" rtlCol="0" anchor="t"/>
-          <a:lstStyle/>
-          <a:p>
-            <a:pPr marL="0" indent="0">
-              <a:lnSpc>
-                <a:spcPts val="5468"/>
-              </a:lnSpc>
-              <a:buNone/>
-            </a:pPr>
-            <a:r>
-              <a:rPr lang="ko-KR" altLang="en-US" sz="2400" dirty="0" smtClean="0">
-                <a:solidFill>
-                  <a:srgbClr val="5C4E3D"/>
-                </a:solidFill>
-                <a:latin typeface="Libre Baskerville" pitchFamily="34" charset="0"/>
-                <a:ea typeface="Libre Baskerville" pitchFamily="34" charset="-122"/>
-                <a:cs typeface="Libre Baskerville" pitchFamily="34" charset="-120"/>
-              </a:rPr>
-              <a:t>의사결정나무 분류 결과</a:t>
-            </a:r>
-            <a:endParaRPr lang="en-US" sz="2400" dirty="0"/>
-          </a:p>
-        </p:txBody>
-      </p:sp>
-      <p:pic>
-        <p:nvPicPr>
-          <p:cNvPr id="9" name="그림 8"/>
-          <p:cNvPicPr>
-            <a:picLocks noChangeAspect="1"/>
-          </p:cNvPicPr>
-          <p:nvPr/>
-        </p:nvPicPr>
-        <p:blipFill>
-          <a:blip r:embed="rId3"/>
-          <a:stretch>
-            <a:fillRect/>
-          </a:stretch>
-        </p:blipFill>
-        <p:spPr>
-          <a:xfrm>
-            <a:off x="2037993" y="3553833"/>
-            <a:ext cx="5162910" cy="3887775"/>
-          </a:xfrm>
-          <a:prstGeom prst="rect">
-            <a:avLst/>
-          </a:prstGeom>
-        </p:spPr>
-      </p:pic>
-      <p:pic>
-        <p:nvPicPr>
-          <p:cNvPr id="10" name="그림 9"/>
-          <p:cNvPicPr>
-            <a:picLocks noChangeAspect="1"/>
-          </p:cNvPicPr>
-          <p:nvPr/>
-        </p:nvPicPr>
-        <p:blipFill>
-          <a:blip r:embed="rId4"/>
-          <a:stretch>
-            <a:fillRect/>
-          </a:stretch>
-        </p:blipFill>
-        <p:spPr>
-          <a:xfrm>
-            <a:off x="7636319" y="2516496"/>
-            <a:ext cx="5839640" cy="4925112"/>
-          </a:xfrm>
-          <a:prstGeom prst="rect">
-            <a:avLst/>
-          </a:prstGeom>
-        </p:spPr>
-      </p:pic>
-    </p:spTree>
-    <p:extLst>
-      <p:ext uri="{BB962C8B-B14F-4D97-AF65-F5344CB8AC3E}">
-        <p14:creationId xmlns:p14="http://schemas.microsoft.com/office/powerpoint/2010/main" val="2892625416"/>
-      </p:ext>
-    </p:extLst>
   </p:cSld>
   <p:clrMapOvr>
     <a:masterClrMapping/>
